--- a/TF/JuliaFernandesMoraes.pptx
+++ b/TF/JuliaFernandesMoraes.pptx
@@ -6462,7 +6462,7 @@
         <p:spPr>
           <a:xfrm>
             <a:off x="469232" y="1090135"/>
-            <a:ext cx="10950972" cy="5262979"/>
+            <a:ext cx="10950972" cy="4893647"/>
           </a:xfrm>
           <a:prstGeom prst="rect">
             <a:avLst/>
@@ -6782,42 +6782,14 @@
                 <a:latin typeface="Cambria Math" panose="02040503050406030204" pitchFamily="18" charset="0"/>
                 <a:ea typeface="Cambria Math" panose="02040503050406030204" pitchFamily="18" charset="0"/>
               </a:rPr>
-              <a:t>≡  a </a:t>
+              <a:t>≡  as </a:t>
             </a:r>
             <a:r>
               <a:rPr lang="pt-BR" sz="2400" dirty="0" smtClean="0">
                 <a:latin typeface="Cambria Math" panose="02040503050406030204" pitchFamily="18" charset="0"/>
                 <a:ea typeface="Cambria Math" panose="02040503050406030204" pitchFamily="18" charset="0"/>
               </a:rPr>
-              <a:t>difusão de </a:t>
-            </a:r>
-            <a:r>
-              <a:rPr lang="pt-BR" sz="2400" dirty="0" err="1" smtClean="0">
-                <a:latin typeface="Cambria Math" panose="02040503050406030204" pitchFamily="18" charset="0"/>
-                <a:ea typeface="Cambria Math" panose="02040503050406030204" pitchFamily="18" charset="0"/>
-              </a:rPr>
-              <a:t>nitrogêino</a:t>
-            </a:r>
-            <a:r>
-              <a:rPr lang="pt-BR" sz="2400" dirty="0" smtClean="0">
-                <a:latin typeface="Cambria Math" panose="02040503050406030204" pitchFamily="18" charset="0"/>
-                <a:ea typeface="Cambria Math" panose="02040503050406030204" pitchFamily="18" charset="0"/>
-              </a:rPr>
-              <a:t> em aços inoxidáveis </a:t>
-            </a:r>
-            <a:r>
-              <a:rPr lang="pt-BR" sz="2400" dirty="0" err="1" smtClean="0">
-                <a:latin typeface="Cambria Math" panose="02040503050406030204" pitchFamily="18" charset="0"/>
-                <a:ea typeface="Cambria Math" panose="02040503050406030204" pitchFamily="18" charset="0"/>
-              </a:rPr>
-              <a:t>austenítios</a:t>
-            </a:r>
-            <a:r>
-              <a:rPr lang="pt-BR" sz="2400" dirty="0" smtClean="0">
-                <a:latin typeface="Cambria Math" panose="02040503050406030204" pitchFamily="18" charset="0"/>
-                <a:ea typeface="Cambria Math" panose="02040503050406030204" pitchFamily="18" charset="0"/>
-              </a:rPr>
-              <a:t> ocorre por meio da influência de regiões de aprisionamento representados por átomos de cromo na matriz </a:t>
+              <a:t>regiões de aprisionamento são representadas por átomos de cromo na matriz </a:t>
             </a:r>
             <a:r>
               <a:rPr lang="pt-BR" sz="2400" dirty="0" err="1" smtClean="0">
@@ -8018,69 +7990,6 @@
           </a:prstGeom>
         </p:spPr>
       </p:pic>
-      <p:grpSp>
-        <p:nvGrpSpPr>
-          <p:cNvPr id="15" name="Grupo 14"/>
-          <p:cNvGrpSpPr/>
-          <p:nvPr/>
-        </p:nvGrpSpPr>
-        <p:grpSpPr>
-          <a:xfrm>
-            <a:off x="6652144" y="1609233"/>
-            <a:ext cx="3397581" cy="467809"/>
-            <a:chOff x="716293" y="1983396"/>
-            <a:chExt cx="3397581" cy="467809"/>
-          </a:xfrm>
-        </p:grpSpPr>
-        <p:pic>
-          <p:nvPicPr>
-            <p:cNvPr id="11" name="Imagem 10"/>
-            <p:cNvPicPr>
-              <a:picLocks noChangeAspect="1"/>
-            </p:cNvPicPr>
-            <p:nvPr/>
-          </p:nvPicPr>
-          <p:blipFill>
-            <a:blip r:embed="rId4"/>
-            <a:stretch>
-              <a:fillRect/>
-            </a:stretch>
-          </p:blipFill>
-          <p:spPr>
-            <a:xfrm>
-              <a:off x="716293" y="2060680"/>
-              <a:ext cx="2171700" cy="390525"/>
-            </a:xfrm>
-            <a:prstGeom prst="rect">
-              <a:avLst/>
-            </a:prstGeom>
-          </p:spPr>
-        </p:pic>
-        <p:pic>
-          <p:nvPicPr>
-            <p:cNvPr id="14" name="Imagem 13"/>
-            <p:cNvPicPr>
-              <a:picLocks noChangeAspect="1"/>
-            </p:cNvPicPr>
-            <p:nvPr/>
-          </p:nvPicPr>
-          <p:blipFill>
-            <a:blip r:embed="rId5"/>
-            <a:stretch>
-              <a:fillRect/>
-            </a:stretch>
-          </p:blipFill>
-          <p:spPr>
-            <a:xfrm>
-              <a:off x="2847049" y="1983396"/>
-              <a:ext cx="1266825" cy="428625"/>
-            </a:xfrm>
-            <a:prstGeom prst="rect">
-              <a:avLst/>
-            </a:prstGeom>
-          </p:spPr>
-        </p:pic>
-      </p:grpSp>
       <p:pic>
         <p:nvPicPr>
           <p:cNvPr id="16" name="Imagem 15"/>
@@ -8090,7 +7999,7 @@
           <p:nvPr/>
         </p:nvPicPr>
         <p:blipFill>
-          <a:blip r:embed="rId6"/>
+          <a:blip r:embed="rId4"/>
           <a:stretch>
             <a:fillRect/>
           </a:stretch>
@@ -8274,7 +8183,7 @@
           <p:nvPr/>
         </p:nvPicPr>
         <p:blipFill>
-          <a:blip r:embed="rId7"/>
+          <a:blip r:embed="rId5"/>
           <a:stretch>
             <a:fillRect/>
           </a:stretch>
@@ -8298,14 +8207,14 @@
           <p:nvPr/>
         </p:nvPicPr>
         <p:blipFill>
-          <a:blip r:embed="rId8"/>
+          <a:blip r:embed="rId6"/>
           <a:stretch>
             <a:fillRect/>
           </a:stretch>
         </p:blipFill>
         <p:spPr>
           <a:xfrm>
-            <a:off x="368565" y="5997865"/>
+            <a:off x="423157" y="5902329"/>
             <a:ext cx="4614395" cy="846269"/>
           </a:xfrm>
           <a:prstGeom prst="rect">
@@ -8329,7 +8238,7 @@
         </p:blipFill>
         <p:spPr>
           <a:xfrm>
-            <a:off x="384624" y="5127388"/>
+            <a:off x="316384" y="5127388"/>
             <a:ext cx="7179928" cy="792821"/>
           </a:xfrm>
           <a:prstGeom prst="rect">
@@ -8383,6 +8292,30 @@
           </a:p>
         </p:txBody>
       </p:sp>
+      <p:pic>
+        <p:nvPicPr>
+          <p:cNvPr id="24" name="Imagem 23"/>
+          <p:cNvPicPr>
+            <a:picLocks noChangeAspect="1"/>
+          </p:cNvPicPr>
+          <p:nvPr/>
+        </p:nvPicPr>
+        <p:blipFill>
+          <a:blip r:embed="rId7"/>
+          <a:stretch>
+            <a:fillRect/>
+          </a:stretch>
+        </p:blipFill>
+        <p:spPr>
+          <a:xfrm>
+            <a:off x="6471598" y="1614280"/>
+            <a:ext cx="4299065" cy="509862"/>
+          </a:xfrm>
+          <a:prstGeom prst="rect">
+            <a:avLst/>
+          </a:prstGeom>
+        </p:spPr>
+      </p:pic>
     </p:spTree>
     <p:extLst>
       <p:ext uri="{BB962C8B-B14F-4D97-AF65-F5344CB8AC3E}">
@@ -17174,7 +17107,7 @@
         <p:spPr>
           <a:xfrm>
             <a:off x="469231" y="1228298"/>
-            <a:ext cx="10950973" cy="4708981"/>
+            <a:ext cx="10950973" cy="4401205"/>
           </a:xfrm>
           <a:prstGeom prst="rect">
             <a:avLst/>
@@ -17249,12 +17182,6 @@
               </a:rPr>
               <a:t> a plasma</a:t>
             </a:r>
-          </a:p>
-          <a:p>
-            <a:endParaRPr lang="pt-BR" sz="2000" dirty="0">
-              <a:latin typeface="Cambria Math" panose="02040503050406030204" pitchFamily="18" charset="0"/>
-              <a:ea typeface="Cambria Math" panose="02040503050406030204" pitchFamily="18" charset="0"/>
-            </a:endParaRPr>
           </a:p>
           <a:p>
             <a:endParaRPr lang="pt-BR" sz="2000" dirty="0">
